--- a/TemplatePPTX/SIMULAZIONE CINEMATICA.pptx
+++ b/TemplatePPTX/SIMULAZIONE CINEMATICA.pptx
@@ -295,7 +295,7 @@
           <a:p>
             <a:fld id="{48A87A34-81AB-432B-8DAE-1953F412C126}" type="datetimeFigureOut">
               <a:rPr lang="en-US" dirty="0"/>
-              <a:t>2/10/2024</a:t>
+              <a:t>2/12/2024</a:t>
             </a:fld>
             <a:endParaRPr lang="en-US" dirty="0"/>
           </a:p>
@@ -557,7 +557,7 @@
           <a:p>
             <a:fld id="{48A87A34-81AB-432B-8DAE-1953F412C126}" type="datetimeFigureOut">
               <a:rPr lang="en-US" dirty="0"/>
-              <a:t>2/10/2024</a:t>
+              <a:t>2/12/2024</a:t>
             </a:fld>
             <a:endParaRPr lang="en-US" dirty="0"/>
           </a:p>
@@ -784,7 +784,7 @@
             <a:fld id="{48A87A34-81AB-432B-8DAE-1953F412C126}" type="datetimeFigureOut">
               <a:rPr lang="en-US" dirty="0"/>
               <a:pPr/>
-              <a:t>2/10/2024</a:t>
+              <a:t>2/12/2024</a:t>
             </a:fld>
             <a:endParaRPr lang="en-US" dirty="0"/>
           </a:p>
@@ -1090,7 +1090,7 @@
             <a:fld id="{48A87A34-81AB-432B-8DAE-1953F412C126}" type="datetimeFigureOut">
               <a:rPr lang="en-US" dirty="0"/>
               <a:pPr/>
-              <a:t>2/10/2024</a:t>
+              <a:t>2/12/2024</a:t>
             </a:fld>
             <a:endParaRPr lang="en-US" dirty="0"/>
           </a:p>
@@ -1559,7 +1559,7 @@
             <a:fld id="{48A87A34-81AB-432B-8DAE-1953F412C126}" type="datetimeFigureOut">
               <a:rPr lang="en-US" dirty="0"/>
               <a:pPr/>
-              <a:t>2/10/2024</a:t>
+              <a:t>2/12/2024</a:t>
             </a:fld>
             <a:endParaRPr lang="en-US" dirty="0"/>
           </a:p>
@@ -2101,7 +2101,7 @@
           <a:p>
             <a:fld id="{48A87A34-81AB-432B-8DAE-1953F412C126}" type="datetimeFigureOut">
               <a:rPr lang="en-US" dirty="0"/>
-              <a:t>2/10/2024</a:t>
+              <a:t>2/12/2024</a:t>
             </a:fld>
             <a:endParaRPr lang="en-US" dirty="0"/>
           </a:p>
@@ -2870,7 +2870,7 @@
           <a:p>
             <a:fld id="{48A87A34-81AB-432B-8DAE-1953F412C126}" type="datetimeFigureOut">
               <a:rPr lang="en-US" dirty="0"/>
-              <a:t>2/10/2024</a:t>
+              <a:t>2/12/2024</a:t>
             </a:fld>
             <a:endParaRPr lang="en-US" dirty="0"/>
           </a:p>
@@ -3040,7 +3040,7 @@
           <a:p>
             <a:fld id="{48A87A34-81AB-432B-8DAE-1953F412C126}" type="datetimeFigureOut">
               <a:rPr lang="en-US" dirty="0"/>
-              <a:t>2/10/2024</a:t>
+              <a:t>2/12/2024</a:t>
             </a:fld>
             <a:endParaRPr lang="en-US" dirty="0"/>
           </a:p>
@@ -3259,7 +3259,7 @@
             <a:fld id="{48A87A34-81AB-432B-8DAE-1953F412C126}" type="datetimeFigureOut">
               <a:rPr lang="en-US" dirty="0"/>
               <a:pPr/>
-              <a:t>2/10/2024</a:t>
+              <a:t>2/12/2024</a:t>
             </a:fld>
             <a:endParaRPr lang="en-US" dirty="0"/>
           </a:p>
@@ -3434,7 +3434,7 @@
           <a:p>
             <a:fld id="{48A87A34-81AB-432B-8DAE-1953F412C126}" type="datetimeFigureOut">
               <a:rPr lang="en-US" dirty="0"/>
-              <a:t>2/10/2024</a:t>
+              <a:t>2/12/2024</a:t>
             </a:fld>
             <a:endParaRPr lang="en-US" dirty="0"/>
           </a:p>
@@ -3719,7 +3719,7 @@
             <a:fld id="{48A87A34-81AB-432B-8DAE-1953F412C126}" type="datetimeFigureOut">
               <a:rPr lang="en-US" dirty="0"/>
               <a:pPr/>
-              <a:t>2/10/2024</a:t>
+              <a:t>2/12/2024</a:t>
             </a:fld>
             <a:endParaRPr lang="en-US" dirty="0"/>
           </a:p>
@@ -3956,7 +3956,7 @@
           <a:p>
             <a:fld id="{48A87A34-81AB-432B-8DAE-1953F412C126}" type="datetimeFigureOut">
               <a:rPr lang="en-US" dirty="0"/>
-              <a:t>2/10/2024</a:t>
+              <a:t>2/12/2024</a:t>
             </a:fld>
             <a:endParaRPr lang="en-US" dirty="0"/>
           </a:p>
@@ -4330,7 +4330,7 @@
           <a:p>
             <a:fld id="{48A87A34-81AB-432B-8DAE-1953F412C126}" type="datetimeFigureOut">
               <a:rPr lang="en-US" dirty="0"/>
-              <a:t>2/10/2024</a:t>
+              <a:t>2/12/2024</a:t>
             </a:fld>
             <a:endParaRPr lang="en-US" dirty="0"/>
           </a:p>
@@ -4443,7 +4443,7 @@
           <a:p>
             <a:fld id="{48A87A34-81AB-432B-8DAE-1953F412C126}" type="datetimeFigureOut">
               <a:rPr lang="en-US" dirty="0"/>
-              <a:t>2/10/2024</a:t>
+              <a:t>2/12/2024</a:t>
             </a:fld>
             <a:endParaRPr lang="en-US" dirty="0"/>
           </a:p>
@@ -4533,7 +4533,7 @@
           <a:p>
             <a:fld id="{48A87A34-81AB-432B-8DAE-1953F412C126}" type="datetimeFigureOut">
               <a:rPr lang="en-US" dirty="0"/>
-              <a:t>2/10/2024</a:t>
+              <a:t>2/12/2024</a:t>
             </a:fld>
             <a:endParaRPr lang="en-US" dirty="0"/>
           </a:p>
@@ -4777,7 +4777,7 @@
           <a:p>
             <a:fld id="{48A87A34-81AB-432B-8DAE-1953F412C126}" type="datetimeFigureOut">
               <a:rPr lang="en-US" dirty="0"/>
-              <a:t>2/10/2024</a:t>
+              <a:t>2/12/2024</a:t>
             </a:fld>
             <a:endParaRPr lang="en-US" dirty="0"/>
           </a:p>
@@ -5029,7 +5029,7 @@
           <a:p>
             <a:fld id="{48A87A34-81AB-432B-8DAE-1953F412C126}" type="datetimeFigureOut">
               <a:rPr lang="en-US" dirty="0"/>
-              <a:t>2/10/2024</a:t>
+              <a:t>2/12/2024</a:t>
             </a:fld>
             <a:endParaRPr lang="en-US" dirty="0"/>
           </a:p>
@@ -5268,7 +5268,7 @@
             <a:fld id="{48A87A34-81AB-432B-8DAE-1953F412C126}" type="datetimeFigureOut">
               <a:rPr lang="en-US" dirty="0"/>
               <a:pPr/>
-              <a:t>2/10/2024</a:t>
+              <a:t>2/12/2024</a:t>
             </a:fld>
             <a:endParaRPr lang="en-US" dirty="0"/>
           </a:p>
@@ -5719,15 +5719,39 @@
             <p:ph type="subTitle" idx="1"/>
           </p:nvPr>
         </p:nvSpPr>
-        <p:spPr/>
-        <p:txBody>
-          <a:bodyPr/>
+        <p:spPr>
+          <a:xfrm>
+            <a:off x="1371600" y="3632200"/>
+            <a:ext cx="9448800" cy="1430129"/>
+          </a:xfrm>
+        </p:spPr>
+        <p:txBody>
+          <a:bodyPr>
+            <a:normAutofit/>
+          </a:bodyPr>
           <a:lstStyle/>
           <a:p>
             <a:r>
               <a:rPr lang="it-IT" dirty="0"/>
-              <a:t>Luigi Catello</a:t>
-            </a:r>
+              <a:t>Salvatore Del Peschio P38000190</a:t>
+            </a:r>
+          </a:p>
+          <a:p>
+            <a:r>
+              <a:rPr lang="it-IT" dirty="0"/>
+              <a:t>Prototipazione Virtuale</a:t>
+            </a:r>
+          </a:p>
+          <a:p>
+            <a:r>
+              <a:rPr lang="it-IT" dirty="0"/>
+              <a:t>Prof. Giuseppe Di </a:t>
+            </a:r>
+            <a:r>
+              <a:rPr lang="it-IT" dirty="0" err="1"/>
+              <a:t>Gironimo</a:t>
+            </a:r>
+            <a:endParaRPr lang="it-IT" dirty="0"/>
           </a:p>
         </p:txBody>
       </p:sp>
@@ -5777,7 +5801,12 @@
             <p:ph type="title"/>
           </p:nvPr>
         </p:nvSpPr>
-        <p:spPr/>
+        <p:spPr>
+          <a:xfrm>
+            <a:off x="2895600" y="274043"/>
+            <a:ext cx="8610600" cy="1293028"/>
+          </a:xfrm>
+        </p:spPr>
         <p:txBody>
           <a:bodyPr/>
           <a:lstStyle/>
@@ -5819,28 +5848,109 @@
             </a:r>
           </a:p>
           <a:p>
+            <a:pPr marL="457200" indent="-457200">
+              <a:buFont typeface="+mj-lt"/>
+              <a:buAutoNum type="arabicPeriod"/>
+            </a:pPr>
             <a:r>
               <a:rPr lang="it-IT" dirty="0"/>
-              <a:t>1</a:t>
-            </a:r>
-          </a:p>
-          <a:p>
+              <a:t>Fissaggio </a:t>
+            </a:r>
+            <a:r>
+              <a:rPr lang="it-IT" dirty="0" err="1"/>
+              <a:t>bracket</a:t>
+            </a:r>
+            <a:endParaRPr lang="it-IT" dirty="0"/>
+          </a:p>
+          <a:p>
+            <a:pPr marL="457200" indent="-457200">
+              <a:buFont typeface="+mj-lt"/>
+              <a:buAutoNum type="arabicPeriod"/>
+            </a:pPr>
             <a:r>
               <a:rPr lang="it-IT" dirty="0"/>
-              <a:t>2</a:t>
-            </a:r>
-          </a:p>
-          <a:p>
+              <a:t>Giunto rigido </a:t>
+            </a:r>
+            <a:r>
+              <a:rPr lang="it-IT" dirty="0" err="1"/>
+              <a:t>bracket</a:t>
+            </a:r>
             <a:r>
               <a:rPr lang="it-IT" dirty="0"/>
-              <a:t>3</a:t>
-            </a:r>
-          </a:p>
-          <a:p>
-            <a:pPr marL="0" indent="0">
-              <a:buNone/>
+              <a:t> - pin</a:t>
+            </a:r>
+          </a:p>
+          <a:p>
+            <a:pPr marL="457200" indent="-457200">
+              <a:buFont typeface="+mj-lt"/>
+              <a:buAutoNum type="arabicPeriod"/>
+            </a:pPr>
+            <a:r>
+              <a:rPr lang="it-IT" dirty="0"/>
+              <a:t>Giunto rigido pin - </a:t>
+            </a:r>
+            <a:r>
+              <a:rPr lang="it-IT" dirty="0" err="1"/>
+              <a:t>taper</a:t>
+            </a:r>
+            <a:r>
+              <a:rPr lang="it-IT" dirty="0"/>
+              <a:t> pin</a:t>
+            </a:r>
+          </a:p>
+          <a:p>
+            <a:pPr marL="457200" indent="-457200">
+              <a:buFont typeface="+mj-lt"/>
+              <a:buAutoNum type="arabicPeriod"/>
+            </a:pPr>
+            <a:r>
+              <a:rPr lang="it-IT" dirty="0"/>
+              <a:t>Giunto rigido pin - </a:t>
+            </a:r>
+            <a:r>
+              <a:rPr lang="it-IT" dirty="0" err="1"/>
+              <a:t>brushing</a:t>
+            </a:r>
+            <a:endParaRPr lang="it-IT" dirty="0"/>
+          </a:p>
+          <a:p>
+            <a:pPr marL="457200" indent="-457200">
+              <a:buFont typeface="+mj-lt"/>
+              <a:buAutoNum type="arabicPeriod"/>
+            </a:pPr>
+            <a:r>
+              <a:rPr lang="it-IT" dirty="0"/>
+              <a:t>Giunto revoluto </a:t>
+            </a:r>
+            <a:r>
+              <a:rPr lang="it-IT" dirty="0" err="1"/>
+              <a:t>brushing</a:t>
+            </a:r>
+            <a:r>
+              <a:rPr lang="it-IT" dirty="0"/>
+              <a:t> – </a:t>
+            </a:r>
+            <a:r>
+              <a:rPr lang="it-IT" dirty="0" err="1"/>
+              <a:t>wheel</a:t>
+            </a:r>
+            <a:endParaRPr lang="it-IT" dirty="0"/>
+          </a:p>
+          <a:p>
+            <a:pPr marL="457200" indent="-457200">
+              <a:buFont typeface="+mj-lt"/>
+              <a:buAutoNum type="arabicPeriod"/>
             </a:pPr>
             <a:endParaRPr lang="it-IT" dirty="0"/>
+          </a:p>
+          <a:p>
+            <a:pPr marL="0" indent="0">
+              <a:buNone/>
+            </a:pPr>
+            <a:r>
+              <a:rPr lang="it-IT" dirty="0"/>
+              <a:t>Non sono stati aggiunti limiti per il giunto revoluto in quanto la puleggia è libera di ruotare con continuità.</a:t>
+            </a:r>
           </a:p>
         </p:txBody>
       </p:sp>
@@ -6039,10 +6149,6 @@
             <a:pPr marL="0" indent="0">
               <a:buNone/>
             </a:pPr>
-            <a:r>
-              <a:rPr lang="it-IT" sz="1600"/>
-              <a:t>Luigi Catello</a:t>
-            </a:r>
             <a:endParaRPr lang="it-IT" sz="1600" dirty="0"/>
           </a:p>
         </p:txBody>
@@ -6079,42 +6185,6 @@
       </p:grpSpPr>
       <p:sp>
         <p:nvSpPr>
-          <p:cNvPr id="3" name="Segnaposto contenuto 2">
-            <a:extLst>
-              <a:ext uri="{FF2B5EF4-FFF2-40B4-BE49-F238E27FC236}">
-                <a16:creationId xmlns:a16="http://schemas.microsoft.com/office/drawing/2014/main" id="{B8D7FB51-3F1E-BB9F-F032-2F2990937A6B}"/>
-              </a:ext>
-            </a:extLst>
-          </p:cNvPr>
-          <p:cNvSpPr>
-            <a:spLocks noGrp="1"/>
-          </p:cNvSpPr>
-          <p:nvPr>
-            <p:ph idx="1"/>
-          </p:nvPr>
-        </p:nvSpPr>
-        <p:spPr>
-          <a:xfrm>
-            <a:off x="685800" y="1236618"/>
-            <a:ext cx="10820400" cy="4982068"/>
-          </a:xfrm>
-        </p:spPr>
-        <p:txBody>
-          <a:bodyPr/>
-          <a:lstStyle/>
-          <a:p>
-            <a:pPr marL="0" indent="0">
-              <a:buNone/>
-            </a:pPr>
-            <a:r>
-              <a:rPr lang="it-IT" dirty="0"/>
-              <a:t>video</a:t>
-            </a:r>
-          </a:p>
-        </p:txBody>
-      </p:sp>
-      <p:sp>
-        <p:nvSpPr>
           <p:cNvPr id="2" name="Titolo 1">
             <a:extLst>
               <a:ext uri="{FF2B5EF4-FFF2-40B4-BE49-F238E27FC236}">
@@ -6129,7 +6199,12 @@
             <p:ph type="title"/>
           </p:nvPr>
         </p:nvSpPr>
-        <p:spPr/>
+        <p:spPr>
+          <a:xfrm>
+            <a:off x="2922104" y="181278"/>
+            <a:ext cx="8610600" cy="1293028"/>
+          </a:xfrm>
+        </p:spPr>
         <p:txBody>
           <a:bodyPr/>
           <a:lstStyle/>
@@ -6138,209 +6213,6 @@
               <a:rPr lang="it-IT" dirty="0"/>
               <a:t>SIMULAZIONE</a:t>
             </a:r>
-          </a:p>
-        </p:txBody>
-      </p:sp>
-      <p:sp>
-        <p:nvSpPr>
-          <p:cNvPr id="4" name="Sottotitolo 2">
-            <a:extLst>
-              <a:ext uri="{FF2B5EF4-FFF2-40B4-BE49-F238E27FC236}">
-                <a16:creationId xmlns:a16="http://schemas.microsoft.com/office/drawing/2014/main" id="{E9BD0DCB-9977-3850-1A4A-74E8FD8CF5C8}"/>
-              </a:ext>
-            </a:extLst>
-          </p:cNvPr>
-          <p:cNvSpPr txBox="1">
-            <a:spLocks/>
-          </p:cNvSpPr>
-          <p:nvPr/>
-        </p:nvSpPr>
-        <p:spPr>
-          <a:xfrm>
-            <a:off x="0" y="6487885"/>
-            <a:ext cx="1532709" cy="291541"/>
-          </a:xfrm>
-          <a:prstGeom prst="rect">
-            <a:avLst/>
-          </a:prstGeom>
-        </p:spPr>
-        <p:txBody>
-          <a:bodyPr vert="horz" lIns="91440" tIns="45720" rIns="91440" bIns="45720" rtlCol="0">
-            <a:normAutofit lnSpcReduction="10000"/>
-          </a:bodyPr>
-          <a:lstStyle>
-            <a:lvl1pPr marL="228600" indent="-228600" algn="l" defTabSz="914400" rtl="0" eaLnBrk="1" latinLnBrk="0" hangingPunct="1">
-              <a:lnSpc>
-                <a:spcPct val="90000"/>
-              </a:lnSpc>
-              <a:spcBef>
-                <a:spcPts val="1000"/>
-              </a:spcBef>
-              <a:buFont typeface="Arial" panose="020B0604020202020204" pitchFamily="34" charset="0"/>
-              <a:buChar char="•"/>
-              <a:defRPr sz="2200" kern="1200">
-                <a:solidFill>
-                  <a:schemeClr val="tx1"/>
-                </a:solidFill>
-                <a:latin typeface="+mn-lt"/>
-                <a:ea typeface="+mn-ea"/>
-                <a:cs typeface="+mn-cs"/>
-              </a:defRPr>
-            </a:lvl1pPr>
-            <a:lvl2pPr marL="685800" indent="-228600" algn="l" defTabSz="914400" rtl="0" eaLnBrk="1" latinLnBrk="0" hangingPunct="1">
-              <a:lnSpc>
-                <a:spcPct val="90000"/>
-              </a:lnSpc>
-              <a:spcBef>
-                <a:spcPts val="500"/>
-              </a:spcBef>
-              <a:buFont typeface="Arial" panose="020B0604020202020204" pitchFamily="34" charset="0"/>
-              <a:buChar char="•"/>
-              <a:defRPr sz="2000" kern="1200">
-                <a:solidFill>
-                  <a:schemeClr val="tx1"/>
-                </a:solidFill>
-                <a:latin typeface="+mn-lt"/>
-                <a:ea typeface="+mn-ea"/>
-                <a:cs typeface="+mn-cs"/>
-              </a:defRPr>
-            </a:lvl2pPr>
-            <a:lvl3pPr marL="1143000" indent="-228600" algn="l" defTabSz="914400" rtl="0" eaLnBrk="1" latinLnBrk="0" hangingPunct="1">
-              <a:lnSpc>
-                <a:spcPct val="90000"/>
-              </a:lnSpc>
-              <a:spcBef>
-                <a:spcPts val="500"/>
-              </a:spcBef>
-              <a:buFont typeface="Arial" panose="020B0604020202020204" pitchFamily="34" charset="0"/>
-              <a:buChar char="•"/>
-              <a:defRPr sz="1800" kern="1200">
-                <a:solidFill>
-                  <a:schemeClr val="tx1"/>
-                </a:solidFill>
-                <a:latin typeface="+mn-lt"/>
-                <a:ea typeface="+mn-ea"/>
-                <a:cs typeface="+mn-cs"/>
-              </a:defRPr>
-            </a:lvl3pPr>
-            <a:lvl4pPr marL="1600200" indent="-228600" algn="l" defTabSz="914400" rtl="0" eaLnBrk="1" latinLnBrk="0" hangingPunct="1">
-              <a:lnSpc>
-                <a:spcPct val="90000"/>
-              </a:lnSpc>
-              <a:spcBef>
-                <a:spcPts val="500"/>
-              </a:spcBef>
-              <a:buFont typeface="Arial" panose="020B0604020202020204" pitchFamily="34" charset="0"/>
-              <a:buChar char="•"/>
-              <a:defRPr sz="1600" kern="1200">
-                <a:solidFill>
-                  <a:schemeClr val="tx1"/>
-                </a:solidFill>
-                <a:latin typeface="+mn-lt"/>
-                <a:ea typeface="+mn-ea"/>
-                <a:cs typeface="+mn-cs"/>
-              </a:defRPr>
-            </a:lvl4pPr>
-            <a:lvl5pPr marL="2057400" indent="-228600" algn="l" defTabSz="914400" rtl="0" eaLnBrk="1" latinLnBrk="0" hangingPunct="1">
-              <a:lnSpc>
-                <a:spcPct val="90000"/>
-              </a:lnSpc>
-              <a:spcBef>
-                <a:spcPts val="500"/>
-              </a:spcBef>
-              <a:buFont typeface="Arial" panose="020B0604020202020204" pitchFamily="34" charset="0"/>
-              <a:buChar char="•"/>
-              <a:defRPr sz="1600" kern="1200">
-                <a:solidFill>
-                  <a:schemeClr val="tx1"/>
-                </a:solidFill>
-                <a:latin typeface="+mn-lt"/>
-                <a:ea typeface="+mn-ea"/>
-                <a:cs typeface="+mn-cs"/>
-              </a:defRPr>
-            </a:lvl5pPr>
-            <a:lvl6pPr marL="2514600" indent="-228600" algn="l" defTabSz="914400" rtl="0" eaLnBrk="1" latinLnBrk="0" hangingPunct="1">
-              <a:lnSpc>
-                <a:spcPct val="90000"/>
-              </a:lnSpc>
-              <a:spcBef>
-                <a:spcPts val="500"/>
-              </a:spcBef>
-              <a:buFont typeface="Arial" panose="020B0604020202020204" pitchFamily="34" charset="0"/>
-              <a:buChar char="•"/>
-              <a:defRPr sz="1600" kern="1200">
-                <a:solidFill>
-                  <a:schemeClr val="tx1"/>
-                </a:solidFill>
-                <a:latin typeface="+mn-lt"/>
-                <a:ea typeface="+mn-ea"/>
-                <a:cs typeface="+mn-cs"/>
-              </a:defRPr>
-            </a:lvl6pPr>
-            <a:lvl7pPr marL="2971800" indent="-228600" algn="l" defTabSz="914400" rtl="0" eaLnBrk="1" latinLnBrk="0" hangingPunct="1">
-              <a:lnSpc>
-                <a:spcPct val="90000"/>
-              </a:lnSpc>
-              <a:spcBef>
-                <a:spcPts val="500"/>
-              </a:spcBef>
-              <a:buFont typeface="Arial" panose="020B0604020202020204" pitchFamily="34" charset="0"/>
-              <a:buChar char="•"/>
-              <a:defRPr sz="1600" kern="1200">
-                <a:solidFill>
-                  <a:schemeClr val="tx1"/>
-                </a:solidFill>
-                <a:latin typeface="+mn-lt"/>
-                <a:ea typeface="+mn-ea"/>
-                <a:cs typeface="+mn-cs"/>
-              </a:defRPr>
-            </a:lvl7pPr>
-            <a:lvl8pPr marL="3429000" indent="-228600" algn="l" defTabSz="914400" rtl="0" eaLnBrk="1" latinLnBrk="0" hangingPunct="1">
-              <a:lnSpc>
-                <a:spcPct val="90000"/>
-              </a:lnSpc>
-              <a:spcBef>
-                <a:spcPts val="500"/>
-              </a:spcBef>
-              <a:buFont typeface="Arial" panose="020B0604020202020204" pitchFamily="34" charset="0"/>
-              <a:buChar char="•"/>
-              <a:defRPr sz="1600" kern="1200">
-                <a:solidFill>
-                  <a:schemeClr val="tx1"/>
-                </a:solidFill>
-                <a:latin typeface="+mn-lt"/>
-                <a:ea typeface="+mn-ea"/>
-                <a:cs typeface="+mn-cs"/>
-              </a:defRPr>
-            </a:lvl8pPr>
-            <a:lvl9pPr marL="3886200" indent="-228600" algn="l" defTabSz="914400" rtl="0" eaLnBrk="1" latinLnBrk="0" hangingPunct="1">
-              <a:lnSpc>
-                <a:spcPct val="90000"/>
-              </a:lnSpc>
-              <a:spcBef>
-                <a:spcPts val="500"/>
-              </a:spcBef>
-              <a:buFont typeface="Arial" panose="020B0604020202020204" pitchFamily="34" charset="0"/>
-              <a:buChar char="•"/>
-              <a:defRPr sz="1600" kern="1200">
-                <a:solidFill>
-                  <a:schemeClr val="tx1"/>
-                </a:solidFill>
-                <a:latin typeface="+mn-lt"/>
-                <a:ea typeface="+mn-ea"/>
-                <a:cs typeface="+mn-cs"/>
-              </a:defRPr>
-            </a:lvl9pPr>
-          </a:lstStyle>
-          <a:p>
-            <a:pPr marL="0" indent="0">
-              <a:buNone/>
-            </a:pPr>
-            <a:r>
-              <a:rPr lang="it-IT" sz="1600"/>
-              <a:t>Luigi Catello</a:t>
-            </a:r>
-            <a:endParaRPr lang="it-IT" sz="1600" dirty="0"/>
           </a:p>
         </p:txBody>
       </p:sp>
